--- a/doc/Monty.pptx
+++ b/doc/Monty.pptx
@@ -6,9 +6,9 @@
   </p:sldMasterIdLst>
   <p:sldIdLst>
     <p:sldId id="256" r:id="rId2"/>
-    <p:sldId id="257" r:id="rId3"/>
-    <p:sldId id="282" r:id="rId4"/>
-    <p:sldId id="281" r:id="rId5"/>
+    <p:sldId id="282" r:id="rId3"/>
+    <p:sldId id="281" r:id="rId4"/>
+    <p:sldId id="257" r:id="rId5"/>
     <p:sldId id="279" r:id="rId6"/>
     <p:sldId id="283" r:id="rId7"/>
     <p:sldId id="262" r:id="rId8"/>
@@ -112,7 +112,7 @@
   </p:defaultTextStyle>
   <p:extLst>
     <p:ext uri="{EFAFB233-063F-42B5-8137-9DF3F51BA10A}">
-      <p15:sldGuideLst xmlns:p15="http://schemas.microsoft.com/office/powerpoint/2012/main"/>
+      <p15:sldGuideLst xmlns:p15="http://schemas.microsoft.com/office/powerpoint/2012/main" xmlns=""/>
     </p:ext>
   </p:extLst>
 </p:presentation>
@@ -3144,7 +3144,7 @@
           </a:p>
           <a:p>
             <a:r>
-              <a:rPr lang="en-GB" sz="2000" smtClean="0">
+              <a:rPr lang="en-GB" sz="2000" dirty="0" err="1" smtClean="0">
                 <a:solidFill>
                   <a:schemeClr val="tx2">
                     <a:lumMod val="75000"/>
@@ -3154,7 +3154,20 @@
                 <a:ea typeface="Open Sans" panose="020B0606030504020204" pitchFamily="34" charset="0"/>
                 <a:cs typeface="Open Sans" panose="020B0606030504020204" pitchFamily="34" charset="0"/>
               </a:rPr>
-              <a:t>Taivo </a:t>
+              <a:t>Taivo</a:t>
+            </a:r>
+            <a:r>
+              <a:rPr lang="en-GB" sz="2000" dirty="0" smtClean="0">
+                <a:solidFill>
+                  <a:schemeClr val="tx2">
+                    <a:lumMod val="75000"/>
+                  </a:schemeClr>
+                </a:solidFill>
+                <a:latin typeface="Open Sans" panose="020B0606030504020204" pitchFamily="34" charset="0"/>
+                <a:ea typeface="Open Sans" panose="020B0606030504020204" pitchFamily="34" charset="0"/>
+                <a:cs typeface="Open Sans" panose="020B0606030504020204" pitchFamily="34" charset="0"/>
+              </a:rPr>
+              <a:t> </a:t>
             </a:r>
             <a:r>
               <a:rPr lang="en-GB" sz="2000" dirty="0" err="1" smtClean="0">
@@ -3277,133 +3290,6 @@
                 <a:ea typeface="Open Sans" panose="020B0606030504020204" pitchFamily="34" charset="0"/>
                 <a:cs typeface="Open Sans" panose="020B0606030504020204" pitchFamily="34" charset="0"/>
               </a:rPr>
-              <a:t>Mis</a:t>
-            </a:r>
-            <a:r>
-              <a:rPr lang="en-GB" sz="3600" b="1" dirty="0" smtClean="0">
-                <a:solidFill>
-                  <a:schemeClr val="tx2">
-                    <a:lumMod val="75000"/>
-                  </a:schemeClr>
-                </a:solidFill>
-                <a:latin typeface="Open Sans" panose="020B0606030504020204" pitchFamily="34" charset="0"/>
-                <a:ea typeface="Open Sans" panose="020B0606030504020204" pitchFamily="34" charset="0"/>
-                <a:cs typeface="Open Sans" panose="020B0606030504020204" pitchFamily="34" charset="0"/>
-              </a:rPr>
-              <a:t>?</a:t>
-            </a:r>
-            <a:endParaRPr lang="en-GB" sz="3600" b="1" dirty="0">
-              <a:solidFill>
-                <a:schemeClr val="tx2">
-                  <a:lumMod val="75000"/>
-                </a:schemeClr>
-              </a:solidFill>
-              <a:latin typeface="Open Sans" panose="020B0606030504020204" pitchFamily="34" charset="0"/>
-              <a:ea typeface="Open Sans" panose="020B0606030504020204" pitchFamily="34" charset="0"/>
-              <a:cs typeface="Open Sans" panose="020B0606030504020204" pitchFamily="34" charset="0"/>
-            </a:endParaRPr>
-          </a:p>
-        </p:txBody>
-      </p:sp>
-      <p:pic>
-        <p:nvPicPr>
-          <p:cNvPr id="4" name="Content Placeholder 3"/>
-          <p:cNvPicPr>
-            <a:picLocks noGrp="1" noChangeAspect="1"/>
-          </p:cNvPicPr>
-          <p:nvPr>
-            <p:ph idx="1"/>
-          </p:nvPr>
-        </p:nvPicPr>
-        <p:blipFill>
-          <a:blip r:embed="rId2">
-            <a:extLst>
-              <a:ext uri="{28A0092B-C50C-407E-A947-70E740481C1C}">
-                <a14:useLocalDpi xmlns:a14="http://schemas.microsoft.com/office/drawing/2010/main" val="0"/>
-              </a:ext>
-            </a:extLst>
-          </a:blip>
-          <a:stretch>
-            <a:fillRect/>
-          </a:stretch>
-        </p:blipFill>
-        <p:spPr>
-          <a:xfrm>
-            <a:off x="1249731" y="2420938"/>
-            <a:ext cx="6644537" cy="4154487"/>
-          </a:xfrm>
-        </p:spPr>
-      </p:pic>
-    </p:spTree>
-    <p:extLst>
-      <p:ext uri="{BB962C8B-B14F-4D97-AF65-F5344CB8AC3E}">
-        <p14:creationId xmlns:p14="http://schemas.microsoft.com/office/powerpoint/2010/main" val="1333622019"/>
-      </p:ext>
-    </p:extLst>
-  </p:cSld>
-  <p:clrMapOvr>
-    <a:masterClrMapping/>
-  </p:clrMapOvr>
-  <p:timing>
-    <p:tnLst>
-      <p:par>
-        <p:cTn id="1" dur="indefinite" restart="never" nodeType="tmRoot"/>
-      </p:par>
-    </p:tnLst>
-  </p:timing>
-</p:sld>
-</file>
-
-<file path=ppt/slides/slide3.xml><?xml version="1.0" encoding="utf-8"?>
-<p:sld xmlns:a="http://schemas.openxmlformats.org/drawingml/2006/main" xmlns:r="http://schemas.openxmlformats.org/officeDocument/2006/relationships" xmlns:p="http://schemas.openxmlformats.org/presentationml/2006/main">
-  <p:cSld>
-    <p:spTree>
-      <p:nvGrpSpPr>
-        <p:cNvPr id="1" name=""/>
-        <p:cNvGrpSpPr/>
-        <p:nvPr/>
-      </p:nvGrpSpPr>
-      <p:grpSpPr>
-        <a:xfrm>
-          <a:off x="0" y="0"/>
-          <a:ext cx="0" cy="0"/>
-          <a:chOff x="0" y="0"/>
-          <a:chExt cx="0" cy="0"/>
-        </a:xfrm>
-      </p:grpSpPr>
-      <p:sp>
-        <p:nvSpPr>
-          <p:cNvPr id="2" name="Title 1"/>
-          <p:cNvSpPr>
-            <a:spLocks noGrp="1"/>
-          </p:cNvSpPr>
-          <p:nvPr>
-            <p:ph type="title"/>
-          </p:nvPr>
-        </p:nvSpPr>
-        <p:spPr>
-          <a:xfrm>
-            <a:off x="628650" y="1210614"/>
-            <a:ext cx="7886700" cy="699016"/>
-          </a:xfrm>
-        </p:spPr>
-        <p:txBody>
-          <a:bodyPr>
-            <a:normAutofit/>
-          </a:bodyPr>
-          <a:lstStyle/>
-          <a:p>
-            <a:r>
-              <a:rPr lang="en-GB" sz="3600" b="1" dirty="0" err="1" smtClean="0">
-                <a:solidFill>
-                  <a:schemeClr val="tx2">
-                    <a:lumMod val="75000"/>
-                  </a:schemeClr>
-                </a:solidFill>
-                <a:latin typeface="Open Sans" panose="020B0606030504020204" pitchFamily="34" charset="0"/>
-                <a:ea typeface="Open Sans" panose="020B0606030504020204" pitchFamily="34" charset="0"/>
-                <a:cs typeface="Open Sans" panose="020B0606030504020204" pitchFamily="34" charset="0"/>
-              </a:rPr>
               <a:t>Miks</a:t>
             </a:r>
             <a:r>
@@ -3672,7 +3558,7 @@
 </p:sld>
 </file>
 
-<file path=ppt/slides/slide4.xml><?xml version="1.0" encoding="utf-8"?>
+<file path=ppt/slides/slide3.xml><?xml version="1.0" encoding="utf-8"?>
 <p:sld xmlns:a="http://schemas.openxmlformats.org/drawingml/2006/main" xmlns:r="http://schemas.openxmlformats.org/officeDocument/2006/relationships" xmlns:p="http://schemas.openxmlformats.org/presentationml/2006/main">
   <p:cSld>
     <p:spTree>
@@ -3871,6 +3757,133 @@
     <p:extLst>
       <p:ext uri="{BB962C8B-B14F-4D97-AF65-F5344CB8AC3E}">
         <p14:creationId xmlns:p14="http://schemas.microsoft.com/office/powerpoint/2010/main" val="3144424606"/>
+      </p:ext>
+    </p:extLst>
+  </p:cSld>
+  <p:clrMapOvr>
+    <a:masterClrMapping/>
+  </p:clrMapOvr>
+  <p:timing>
+    <p:tnLst>
+      <p:par>
+        <p:cTn id="1" dur="indefinite" restart="never" nodeType="tmRoot"/>
+      </p:par>
+    </p:tnLst>
+  </p:timing>
+</p:sld>
+</file>
+
+<file path=ppt/slides/slide4.xml><?xml version="1.0" encoding="utf-8"?>
+<p:sld xmlns:a="http://schemas.openxmlformats.org/drawingml/2006/main" xmlns:r="http://schemas.openxmlformats.org/officeDocument/2006/relationships" xmlns:p="http://schemas.openxmlformats.org/presentationml/2006/main">
+  <p:cSld>
+    <p:spTree>
+      <p:nvGrpSpPr>
+        <p:cNvPr id="1" name=""/>
+        <p:cNvGrpSpPr/>
+        <p:nvPr/>
+      </p:nvGrpSpPr>
+      <p:grpSpPr>
+        <a:xfrm>
+          <a:off x="0" y="0"/>
+          <a:ext cx="0" cy="0"/>
+          <a:chOff x="0" y="0"/>
+          <a:chExt cx="0" cy="0"/>
+        </a:xfrm>
+      </p:grpSpPr>
+      <p:sp>
+        <p:nvSpPr>
+          <p:cNvPr id="2" name="Title 1"/>
+          <p:cNvSpPr>
+            <a:spLocks noGrp="1"/>
+          </p:cNvSpPr>
+          <p:nvPr>
+            <p:ph type="title"/>
+          </p:nvPr>
+        </p:nvSpPr>
+        <p:spPr>
+          <a:xfrm>
+            <a:off x="628650" y="1210614"/>
+            <a:ext cx="7886700" cy="699016"/>
+          </a:xfrm>
+        </p:spPr>
+        <p:txBody>
+          <a:bodyPr>
+            <a:normAutofit/>
+          </a:bodyPr>
+          <a:lstStyle/>
+          <a:p>
+            <a:r>
+              <a:rPr lang="en-GB" sz="3600" b="1" dirty="0" err="1" smtClean="0">
+                <a:solidFill>
+                  <a:schemeClr val="tx2">
+                    <a:lumMod val="75000"/>
+                  </a:schemeClr>
+                </a:solidFill>
+                <a:latin typeface="Open Sans" panose="020B0606030504020204" pitchFamily="34" charset="0"/>
+                <a:ea typeface="Open Sans" panose="020B0606030504020204" pitchFamily="34" charset="0"/>
+                <a:cs typeface="Open Sans" panose="020B0606030504020204" pitchFamily="34" charset="0"/>
+              </a:rPr>
+              <a:t>Mis</a:t>
+            </a:r>
+            <a:r>
+              <a:rPr lang="en-GB" sz="3600" b="1" dirty="0" smtClean="0">
+                <a:solidFill>
+                  <a:schemeClr val="tx2">
+                    <a:lumMod val="75000"/>
+                  </a:schemeClr>
+                </a:solidFill>
+                <a:latin typeface="Open Sans" panose="020B0606030504020204" pitchFamily="34" charset="0"/>
+                <a:ea typeface="Open Sans" panose="020B0606030504020204" pitchFamily="34" charset="0"/>
+                <a:cs typeface="Open Sans" panose="020B0606030504020204" pitchFamily="34" charset="0"/>
+              </a:rPr>
+              <a:t>?</a:t>
+            </a:r>
+            <a:endParaRPr lang="en-GB" sz="3600" b="1" dirty="0">
+              <a:solidFill>
+                <a:schemeClr val="tx2">
+                  <a:lumMod val="75000"/>
+                </a:schemeClr>
+              </a:solidFill>
+              <a:latin typeface="Open Sans" panose="020B0606030504020204" pitchFamily="34" charset="0"/>
+              <a:ea typeface="Open Sans" panose="020B0606030504020204" pitchFamily="34" charset="0"/>
+              <a:cs typeface="Open Sans" panose="020B0606030504020204" pitchFamily="34" charset="0"/>
+            </a:endParaRPr>
+          </a:p>
+        </p:txBody>
+      </p:sp>
+      <p:pic>
+        <p:nvPicPr>
+          <p:cNvPr id="4" name="Content Placeholder 3"/>
+          <p:cNvPicPr>
+            <a:picLocks noGrp="1" noChangeAspect="1"/>
+          </p:cNvPicPr>
+          <p:nvPr>
+            <p:ph idx="1"/>
+          </p:nvPr>
+        </p:nvPicPr>
+        <p:blipFill>
+          <a:blip r:embed="rId2">
+            <a:extLst>
+              <a:ext uri="{28A0092B-C50C-407E-A947-70E740481C1C}">
+                <a14:useLocalDpi xmlns:a14="http://schemas.microsoft.com/office/drawing/2010/main" val="0"/>
+              </a:ext>
+            </a:extLst>
+          </a:blip>
+          <a:stretch>
+            <a:fillRect/>
+          </a:stretch>
+        </p:blipFill>
+        <p:spPr>
+          <a:xfrm>
+            <a:off x="1249731" y="2420938"/>
+            <a:ext cx="6644537" cy="4154487"/>
+          </a:xfrm>
+        </p:spPr>
+      </p:pic>
+    </p:spTree>
+    <p:extLst>
+      <p:ext uri="{BB962C8B-B14F-4D97-AF65-F5344CB8AC3E}">
+        <p14:creationId xmlns:p14="http://schemas.microsoft.com/office/powerpoint/2010/main" val="1333622019"/>
       </p:ext>
     </p:extLst>
   </p:cSld>
@@ -4179,18 +4192,7 @@
                 <a:ea typeface="Open Sans" panose="020B0606030504020204" pitchFamily="34" charset="0"/>
                 <a:cs typeface="Open Sans" panose="020B0606030504020204" pitchFamily="34" charset="0"/>
               </a:rPr>
-              <a:t>[inser</a:t>
-            </a:r>
-            <a:r>
-              <a:rPr lang="en-GB" sz="3600" b="1" dirty="0" smtClean="0">
-                <a:solidFill>
-                  <a:srgbClr val="EC0A70"/>
-                </a:solidFill>
-                <a:latin typeface="Open Sans" panose="020B0606030504020204" pitchFamily="34" charset="0"/>
-                <a:ea typeface="Open Sans" panose="020B0606030504020204" pitchFamily="34" charset="0"/>
-                <a:cs typeface="Open Sans" panose="020B0606030504020204" pitchFamily="34" charset="0"/>
-              </a:rPr>
-              <a:t>t]</a:t>
+              <a:t>[insert]</a:t>
             </a:r>
             <a:endParaRPr lang="en-GB" sz="3600" b="1" dirty="0">
               <a:solidFill>
@@ -4798,7 +4800,7 @@
   <a:extraClrSchemeLst/>
   <a:extLst>
     <a:ext uri="{05A4C25C-085E-4340-85A3-A5531E510DB2}">
-      <thm15:themeFamily xmlns:thm15="http://schemas.microsoft.com/office/thememl/2012/main" name="Office Theme" id="{62F939B6-93AF-4DB8-9C6B-D6C7DFDC589F}" vid="{4A3C46E8-61CC-4603-A589-7422A47A8E4A}"/>
+      <thm15:themeFamily xmlns:thm15="http://schemas.microsoft.com/office/thememl/2012/main" xmlns="" name="Office Theme" id="{62F939B6-93AF-4DB8-9C6B-D6C7DFDC589F}" vid="{4A3C46E8-61CC-4603-A589-7422A47A8E4A}"/>
     </a:ext>
   </a:extLst>
 </a:theme>

--- a/doc/Monty.pptx
+++ b/doc/Monty.pptx
@@ -112,7 +112,7 @@
   </p:defaultTextStyle>
   <p:extLst>
     <p:ext uri="{EFAFB233-063F-42B5-8137-9DF3F51BA10A}">
-      <p15:sldGuideLst xmlns:p15="http://schemas.microsoft.com/office/powerpoint/2012/main" xmlns=""/>
+      <p15:sldGuideLst xmlns="" xmlns:p15="http://schemas.microsoft.com/office/powerpoint/2012/main"/>
     </p:ext>
   </p:extLst>
 </p:presentation>
@@ -4160,48 +4160,333 @@
       </p:sp>
       <p:sp>
         <p:nvSpPr>
-          <p:cNvPr id="3" name="Content Placeholder 2"/>
-          <p:cNvSpPr>
-            <a:spLocks noGrp="1"/>
-          </p:cNvSpPr>
-          <p:nvPr>
-            <p:ph idx="1"/>
-          </p:nvPr>
+          <p:cNvPr id="5" name="Rectangle 4"/>
+          <p:cNvSpPr/>
+          <p:nvPr/>
         </p:nvSpPr>
         <p:spPr>
           <a:xfrm>
-            <a:off x="628650" y="2421228"/>
-            <a:ext cx="7886700" cy="4154980"/>
+            <a:off x="541421" y="2219825"/>
+            <a:ext cx="1708484" cy="613611"/>
           </a:xfrm>
+          <a:prstGeom prst="rect">
+            <a:avLst/>
+          </a:prstGeom>
+          <a:solidFill>
+            <a:schemeClr val="bg1">
+              <a:lumMod val="95000"/>
+            </a:schemeClr>
+          </a:solidFill>
+          <a:ln w="38100">
+            <a:solidFill>
+              <a:schemeClr val="tx1"/>
+            </a:solidFill>
+          </a:ln>
         </p:spPr>
-        <p:txBody>
-          <a:bodyPr>
-            <a:normAutofit/>
-          </a:bodyPr>
-          <a:lstStyle/>
-          <a:p>
-            <a:pPr marL="0" indent="0" algn="ctr">
-              <a:buNone/>
-            </a:pPr>
-            <a:r>
-              <a:rPr lang="en-GB" sz="3600" b="1" dirty="0" smtClean="0">
-                <a:solidFill>
-                  <a:srgbClr val="EC0A70"/>
-                </a:solidFill>
-                <a:latin typeface="Open Sans" panose="020B0606030504020204" pitchFamily="34" charset="0"/>
-                <a:ea typeface="Open Sans" panose="020B0606030504020204" pitchFamily="34" charset="0"/>
-                <a:cs typeface="Open Sans" panose="020B0606030504020204" pitchFamily="34" charset="0"/>
-              </a:rPr>
-              <a:t>[insert]</a:t>
-            </a:r>
-            <a:endParaRPr lang="en-GB" sz="3600" b="1" dirty="0">
+        <p:style>
+          <a:lnRef idx="2">
+            <a:schemeClr val="accent1">
+              <a:shade val="50000"/>
+            </a:schemeClr>
+          </a:lnRef>
+          <a:fillRef idx="1">
+            <a:schemeClr val="accent1"/>
+          </a:fillRef>
+          <a:effectRef idx="0">
+            <a:schemeClr val="accent1"/>
+          </a:effectRef>
+          <a:fontRef idx="minor">
+            <a:schemeClr val="lt1"/>
+          </a:fontRef>
+        </p:style>
+        <p:txBody>
+          <a:bodyPr rtlCol="0" anchor="ctr"/>
+          <a:lstStyle/>
+          <a:p>
+            <a:pPr algn="ctr"/>
+            <a:r>
+              <a:rPr lang="et-EE" sz="2400" b="1" dirty="0" smtClean="0">
+                <a:solidFill>
+                  <a:schemeClr val="tx1"/>
+                </a:solidFill>
+                <a:latin typeface="Open Sans" panose="020B0606030504020204" pitchFamily="34" charset="0"/>
+                <a:ea typeface="Open Sans" panose="020B0606030504020204" pitchFamily="34" charset="0"/>
+                <a:cs typeface="Open Sans" panose="020B0606030504020204" pitchFamily="34" charset="0"/>
+              </a:rPr>
+              <a:t>klotsid</a:t>
+            </a:r>
+            <a:endParaRPr lang="et-EE" sz="2400" b="1" dirty="0">
               <a:solidFill>
-                <a:srgbClr val="00920E"/>
+                <a:schemeClr val="tx1"/>
               </a:solidFill>
               <a:latin typeface="Open Sans" panose="020B0606030504020204" pitchFamily="34" charset="0"/>
               <a:ea typeface="Open Sans" panose="020B0606030504020204" pitchFamily="34" charset="0"/>
               <a:cs typeface="Open Sans" panose="020B0606030504020204" pitchFamily="34" charset="0"/>
             </a:endParaRPr>
+          </a:p>
+        </p:txBody>
+      </p:sp>
+      <p:sp>
+        <p:nvSpPr>
+          <p:cNvPr id="6" name="Rectangle 5"/>
+          <p:cNvSpPr/>
+          <p:nvPr/>
+        </p:nvSpPr>
+        <p:spPr>
+          <a:xfrm>
+            <a:off x="1756623" y="2975803"/>
+            <a:ext cx="1708484" cy="613611"/>
+          </a:xfrm>
+          <a:prstGeom prst="rect">
+            <a:avLst/>
+          </a:prstGeom>
+          <a:solidFill>
+            <a:schemeClr val="bg1">
+              <a:lumMod val="95000"/>
+            </a:schemeClr>
+          </a:solidFill>
+          <a:ln w="38100">
+            <a:solidFill>
+              <a:schemeClr val="tx1"/>
+            </a:solidFill>
+          </a:ln>
+        </p:spPr>
+        <p:style>
+          <a:lnRef idx="2">
+            <a:schemeClr val="accent1">
+              <a:shade val="50000"/>
+            </a:schemeClr>
+          </a:lnRef>
+          <a:fillRef idx="1">
+            <a:schemeClr val="accent1"/>
+          </a:fillRef>
+          <a:effectRef idx="0">
+            <a:schemeClr val="accent1"/>
+          </a:effectRef>
+          <a:fontRef idx="minor">
+            <a:schemeClr val="lt1"/>
+          </a:fontRef>
+        </p:style>
+        <p:txBody>
+          <a:bodyPr rtlCol="0" anchor="ctr"/>
+          <a:lstStyle/>
+          <a:p>
+            <a:pPr algn="ctr"/>
+            <a:r>
+              <a:rPr lang="et-EE" sz="2400" b="1" dirty="0" smtClean="0">
+                <a:solidFill>
+                  <a:schemeClr val="tx1"/>
+                </a:solidFill>
+                <a:latin typeface="Open Sans" panose="020B0606030504020204" pitchFamily="34" charset="0"/>
+                <a:ea typeface="Open Sans" panose="020B0606030504020204" pitchFamily="34" charset="0"/>
+                <a:cs typeface="Open Sans" panose="020B0606030504020204" pitchFamily="34" charset="0"/>
+              </a:rPr>
+              <a:t>kood</a:t>
+            </a:r>
+            <a:endParaRPr lang="et-EE" sz="2400" b="1" dirty="0">
+              <a:solidFill>
+                <a:schemeClr val="tx1"/>
+              </a:solidFill>
+              <a:latin typeface="Open Sans" panose="020B0606030504020204" pitchFamily="34" charset="0"/>
+              <a:ea typeface="Open Sans" panose="020B0606030504020204" pitchFamily="34" charset="0"/>
+              <a:cs typeface="Open Sans" panose="020B0606030504020204" pitchFamily="34" charset="0"/>
+            </a:endParaRPr>
+          </a:p>
+        </p:txBody>
+      </p:sp>
+      <p:sp>
+        <p:nvSpPr>
+          <p:cNvPr id="7" name="Rectangle 6"/>
+          <p:cNvSpPr/>
+          <p:nvPr/>
+        </p:nvSpPr>
+        <p:spPr>
+          <a:xfrm>
+            <a:off x="2827441" y="3717757"/>
+            <a:ext cx="1708484" cy="613611"/>
+          </a:xfrm>
+          <a:prstGeom prst="rect">
+            <a:avLst/>
+          </a:prstGeom>
+          <a:solidFill>
+            <a:schemeClr val="bg1">
+              <a:lumMod val="95000"/>
+            </a:schemeClr>
+          </a:solidFill>
+          <a:ln w="38100">
+            <a:solidFill>
+              <a:schemeClr val="tx1"/>
+            </a:solidFill>
+          </a:ln>
+        </p:spPr>
+        <p:style>
+          <a:lnRef idx="2">
+            <a:schemeClr val="accent1">
+              <a:shade val="50000"/>
+            </a:schemeClr>
+          </a:lnRef>
+          <a:fillRef idx="1">
+            <a:schemeClr val="accent1"/>
+          </a:fillRef>
+          <a:effectRef idx="0">
+            <a:schemeClr val="accent1"/>
+          </a:effectRef>
+          <a:fontRef idx="minor">
+            <a:schemeClr val="lt1"/>
+          </a:fontRef>
+        </p:style>
+        <p:txBody>
+          <a:bodyPr rtlCol="0" anchor="ctr"/>
+          <a:lstStyle/>
+          <a:p>
+            <a:pPr algn="ctr"/>
+            <a:r>
+              <a:rPr lang="et-EE" sz="2400" b="1" dirty="0" smtClean="0">
+                <a:solidFill>
+                  <a:schemeClr val="tx1"/>
+                </a:solidFill>
+                <a:latin typeface="Open Sans" panose="020B0606030504020204" pitchFamily="34" charset="0"/>
+                <a:ea typeface="Open Sans" panose="020B0606030504020204" pitchFamily="34" charset="0"/>
+                <a:cs typeface="Open Sans" panose="020B0606030504020204" pitchFamily="34" charset="0"/>
+              </a:rPr>
+              <a:t>AST</a:t>
+            </a:r>
+            <a:endParaRPr lang="et-EE" sz="2400" b="1" dirty="0">
+              <a:solidFill>
+                <a:schemeClr val="tx1"/>
+              </a:solidFill>
+              <a:latin typeface="Open Sans" panose="020B0606030504020204" pitchFamily="34" charset="0"/>
+              <a:ea typeface="Open Sans" panose="020B0606030504020204" pitchFamily="34" charset="0"/>
+              <a:cs typeface="Open Sans" panose="020B0606030504020204" pitchFamily="34" charset="0"/>
+            </a:endParaRPr>
+          </a:p>
+        </p:txBody>
+      </p:sp>
+      <p:sp>
+        <p:nvSpPr>
+          <p:cNvPr id="8" name="Rectangle 7"/>
+          <p:cNvSpPr/>
+          <p:nvPr/>
+        </p:nvSpPr>
+        <p:spPr>
+          <a:xfrm>
+            <a:off x="4014522" y="4467730"/>
+            <a:ext cx="2757237" cy="613611"/>
+          </a:xfrm>
+          <a:prstGeom prst="rect">
+            <a:avLst/>
+          </a:prstGeom>
+          <a:solidFill>
+            <a:schemeClr val="bg1">
+              <a:lumMod val="95000"/>
+            </a:schemeClr>
+          </a:solidFill>
+          <a:ln w="38100">
+            <a:solidFill>
+              <a:schemeClr val="tx1"/>
+            </a:solidFill>
+          </a:ln>
+        </p:spPr>
+        <p:style>
+          <a:lnRef idx="2">
+            <a:schemeClr val="accent1">
+              <a:shade val="50000"/>
+            </a:schemeClr>
+          </a:lnRef>
+          <a:fillRef idx="1">
+            <a:schemeClr val="accent1"/>
+          </a:fillRef>
+          <a:effectRef idx="0">
+            <a:schemeClr val="accent1"/>
+          </a:effectRef>
+          <a:fontRef idx="minor">
+            <a:schemeClr val="lt1"/>
+          </a:fontRef>
+        </p:style>
+        <p:txBody>
+          <a:bodyPr rtlCol="0" anchor="ctr"/>
+          <a:lstStyle/>
+          <a:p>
+            <a:pPr algn="ctr"/>
+            <a:r>
+              <a:rPr lang="et-EE" sz="2400" b="1" dirty="0" smtClean="0">
+                <a:solidFill>
+                  <a:schemeClr val="tx1"/>
+                </a:solidFill>
+                <a:latin typeface="Open Sans" panose="020B0606030504020204" pitchFamily="34" charset="0"/>
+                <a:ea typeface="Open Sans" panose="020B0606030504020204" pitchFamily="34" charset="0"/>
+                <a:cs typeface="Open Sans" panose="020B0606030504020204" pitchFamily="34" charset="0"/>
+              </a:rPr>
+              <a:t>kompileerimine</a:t>
+            </a:r>
+            <a:endParaRPr lang="et-EE" sz="2400" b="1" dirty="0">
+              <a:solidFill>
+                <a:schemeClr val="tx1"/>
+              </a:solidFill>
+              <a:latin typeface="Open Sans" panose="020B0606030504020204" pitchFamily="34" charset="0"/>
+              <a:ea typeface="Open Sans" panose="020B0606030504020204" pitchFamily="34" charset="0"/>
+              <a:cs typeface="Open Sans" panose="020B0606030504020204" pitchFamily="34" charset="0"/>
+            </a:endParaRPr>
+          </a:p>
+        </p:txBody>
+      </p:sp>
+      <p:sp>
+        <p:nvSpPr>
+          <p:cNvPr id="9" name="Rectangle 8"/>
+          <p:cNvSpPr/>
+          <p:nvPr/>
+        </p:nvSpPr>
+        <p:spPr>
+          <a:xfrm>
+            <a:off x="5981742" y="5197645"/>
+            <a:ext cx="2402306" cy="613611"/>
+          </a:xfrm>
+          <a:prstGeom prst="rect">
+            <a:avLst/>
+          </a:prstGeom>
+          <a:solidFill>
+            <a:schemeClr val="bg1">
+              <a:lumMod val="95000"/>
+            </a:schemeClr>
+          </a:solidFill>
+          <a:ln w="38100">
+            <a:solidFill>
+              <a:schemeClr val="tx1"/>
+            </a:solidFill>
+          </a:ln>
+        </p:spPr>
+        <p:style>
+          <a:lnRef idx="2">
+            <a:schemeClr val="accent1">
+              <a:shade val="50000"/>
+            </a:schemeClr>
+          </a:lnRef>
+          <a:fillRef idx="1">
+            <a:schemeClr val="accent1"/>
+          </a:fillRef>
+          <a:effectRef idx="0">
+            <a:schemeClr val="accent1"/>
+          </a:effectRef>
+          <a:fontRef idx="minor">
+            <a:schemeClr val="lt1"/>
+          </a:fontRef>
+        </p:style>
+        <p:txBody>
+          <a:bodyPr rtlCol="0" anchor="ctr"/>
+          <a:lstStyle/>
+          <a:p>
+            <a:pPr algn="ctr"/>
+            <a:r>
+              <a:rPr lang="et-EE" sz="2400" b="1" dirty="0" smtClean="0">
+                <a:solidFill>
+                  <a:schemeClr val="tx1"/>
+                </a:solidFill>
+                <a:latin typeface="Open Sans" panose="020B0606030504020204" pitchFamily="34" charset="0"/>
+                <a:ea typeface="Open Sans" panose="020B0606030504020204" pitchFamily="34" charset="0"/>
+                <a:cs typeface="Open Sans" panose="020B0606030504020204" pitchFamily="34" charset="0"/>
+              </a:rPr>
+              <a:t>jooksutamine</a:t>
+            </a:r>
           </a:p>
         </p:txBody>
       </p:sp>
@@ -4497,32 +4782,43 @@
       </p:sp>
       <p:pic>
         <p:nvPicPr>
-          <p:cNvPr id="4" name="Picture 3"/>
+          <p:cNvPr id="5" name="Picture 2" descr="http://www.ut.ee/sites/default/files/it-akadeemia-logo.png"/>
           <p:cNvPicPr>
-            <a:picLocks noChangeAspect="1"/>
+            <a:picLocks noChangeAspect="1" noChangeArrowheads="1"/>
           </p:cNvPicPr>
           <p:nvPr/>
         </p:nvPicPr>
         <p:blipFill>
-          <a:blip r:embed="rId5" cstate="print">
+          <a:blip r:embed="rId5">
             <a:extLst>
               <a:ext uri="{28A0092B-C50C-407E-A947-70E740481C1C}">
                 <a14:useLocalDpi xmlns:a14="http://schemas.microsoft.com/office/drawing/2010/main" val="0"/>
               </a:ext>
             </a:extLst>
           </a:blip>
+          <a:srcRect/>
           <a:stretch>
             <a:fillRect/>
           </a:stretch>
         </p:blipFill>
-        <p:spPr>
+        <p:spPr bwMode="auto">
           <a:xfrm>
-            <a:off x="3387144" y="5329117"/>
-            <a:ext cx="2369712" cy="1088369"/>
+            <a:off x="2409720" y="4614390"/>
+            <a:ext cx="4584640" cy="2661847"/>
           </a:xfrm>
           <a:prstGeom prst="rect">
             <a:avLst/>
           </a:prstGeom>
+          <a:noFill/>
+          <a:extLst>
+            <a:ext uri="{909E8E84-426E-40DD-AFC4-6F175D3DCCD1}">
+              <a14:hiddenFill xmlns:a14="http://schemas.microsoft.com/office/drawing/2010/main">
+                <a:solidFill>
+                  <a:srgbClr val="FFFFFF"/>
+                </a:solidFill>
+              </a14:hiddenFill>
+            </a:ext>
+          </a:extLst>
         </p:spPr>
       </p:pic>
     </p:spTree>
@@ -4800,7 +5096,7 @@
   <a:extraClrSchemeLst/>
   <a:extLst>
     <a:ext uri="{05A4C25C-085E-4340-85A3-A5531E510DB2}">
-      <thm15:themeFamily xmlns:thm15="http://schemas.microsoft.com/office/thememl/2012/main" xmlns="" name="Office Theme" id="{62F939B6-93AF-4DB8-9C6B-D6C7DFDC589F}" vid="{4A3C46E8-61CC-4603-A589-7422A47A8E4A}"/>
+      <thm15:themeFamily xmlns="" xmlns:thm15="http://schemas.microsoft.com/office/thememl/2012/main" name="Office Theme" id="{62F939B6-93AF-4DB8-9C6B-D6C7DFDC589F}" vid="{4A3C46E8-61CC-4603-A589-7422A47A8E4A}"/>
     </a:ext>
   </a:extLst>
 </a:theme>

--- a/doc/Monty.pptx
+++ b/doc/Monty.pptx
@@ -8,8 +8,8 @@
     <p:sldId id="256" r:id="rId2"/>
     <p:sldId id="282" r:id="rId3"/>
     <p:sldId id="281" r:id="rId4"/>
-    <p:sldId id="257" r:id="rId5"/>
-    <p:sldId id="279" r:id="rId6"/>
+    <p:sldId id="279" r:id="rId5"/>
+    <p:sldId id="257" r:id="rId6"/>
     <p:sldId id="283" r:id="rId7"/>
     <p:sldId id="262" r:id="rId8"/>
   </p:sldIdLst>
@@ -112,7 +112,7 @@
   </p:defaultTextStyle>
   <p:extLst>
     <p:ext uri="{EFAFB233-063F-42B5-8137-9DF3F51BA10A}">
-      <p15:sldGuideLst xmlns="" xmlns:p15="http://schemas.microsoft.com/office/powerpoint/2012/main"/>
+      <p15:sldGuideLst xmlns:p15="http://schemas.microsoft.com/office/powerpoint/2012/main" xmlns=""/>
     </p:ext>
   </p:extLst>
 </p:presentation>
@@ -249,7 +249,7 @@
           <a:p>
             <a:fld id="{A672BAF8-E690-4A5C-BC69-579FDD234EEE}" type="datetimeFigureOut">
               <a:rPr lang="en-GB" smtClean="0"/>
-              <a:t>25/05/2014</a:t>
+              <a:t>26/05/2014</a:t>
             </a:fld>
             <a:endParaRPr lang="en-GB"/>
           </a:p>
@@ -419,7 +419,7 @@
           <a:p>
             <a:fld id="{A672BAF8-E690-4A5C-BC69-579FDD234EEE}" type="datetimeFigureOut">
               <a:rPr lang="en-GB" smtClean="0"/>
-              <a:t>25/05/2014</a:t>
+              <a:t>26/05/2014</a:t>
             </a:fld>
             <a:endParaRPr lang="en-GB"/>
           </a:p>
@@ -599,7 +599,7 @@
           <a:p>
             <a:fld id="{A672BAF8-E690-4A5C-BC69-579FDD234EEE}" type="datetimeFigureOut">
               <a:rPr lang="en-GB" smtClean="0"/>
-              <a:t>25/05/2014</a:t>
+              <a:t>26/05/2014</a:t>
             </a:fld>
             <a:endParaRPr lang="en-GB"/>
           </a:p>
@@ -769,7 +769,7 @@
           <a:p>
             <a:fld id="{A672BAF8-E690-4A5C-BC69-579FDD234EEE}" type="datetimeFigureOut">
               <a:rPr lang="en-GB" smtClean="0"/>
-              <a:t>25/05/2014</a:t>
+              <a:t>26/05/2014</a:t>
             </a:fld>
             <a:endParaRPr lang="en-GB"/>
           </a:p>
@@ -1013,7 +1013,7 @@
           <a:p>
             <a:fld id="{A672BAF8-E690-4A5C-BC69-579FDD234EEE}" type="datetimeFigureOut">
               <a:rPr lang="en-GB" smtClean="0"/>
-              <a:t>25/05/2014</a:t>
+              <a:t>26/05/2014</a:t>
             </a:fld>
             <a:endParaRPr lang="en-GB"/>
           </a:p>
@@ -1245,7 +1245,7 @@
           <a:p>
             <a:fld id="{A672BAF8-E690-4A5C-BC69-579FDD234EEE}" type="datetimeFigureOut">
               <a:rPr lang="en-GB" smtClean="0"/>
-              <a:t>25/05/2014</a:t>
+              <a:t>26/05/2014</a:t>
             </a:fld>
             <a:endParaRPr lang="en-GB"/>
           </a:p>
@@ -1612,7 +1612,7 @@
           <a:p>
             <a:fld id="{A672BAF8-E690-4A5C-BC69-579FDD234EEE}" type="datetimeFigureOut">
               <a:rPr lang="en-GB" smtClean="0"/>
-              <a:t>25/05/2014</a:t>
+              <a:t>26/05/2014</a:t>
             </a:fld>
             <a:endParaRPr lang="en-GB"/>
           </a:p>
@@ -1730,7 +1730,7 @@
           <a:p>
             <a:fld id="{A672BAF8-E690-4A5C-BC69-579FDD234EEE}" type="datetimeFigureOut">
               <a:rPr lang="en-GB" smtClean="0"/>
-              <a:t>25/05/2014</a:t>
+              <a:t>26/05/2014</a:t>
             </a:fld>
             <a:endParaRPr lang="en-GB"/>
           </a:p>
@@ -1825,7 +1825,7 @@
           <a:p>
             <a:fld id="{A672BAF8-E690-4A5C-BC69-579FDD234EEE}" type="datetimeFigureOut">
               <a:rPr lang="en-GB" smtClean="0"/>
-              <a:t>25/05/2014</a:t>
+              <a:t>26/05/2014</a:t>
             </a:fld>
             <a:endParaRPr lang="en-GB"/>
           </a:p>
@@ -2102,7 +2102,7 @@
           <a:p>
             <a:fld id="{A672BAF8-E690-4A5C-BC69-579FDD234EEE}" type="datetimeFigureOut">
               <a:rPr lang="en-GB" smtClean="0"/>
-              <a:t>25/05/2014</a:t>
+              <a:t>26/05/2014</a:t>
             </a:fld>
             <a:endParaRPr lang="en-GB"/>
           </a:p>
@@ -2359,7 +2359,7 @@
           <a:p>
             <a:fld id="{A672BAF8-E690-4A5C-BC69-579FDD234EEE}" type="datetimeFigureOut">
               <a:rPr lang="en-GB" smtClean="0"/>
-              <a:t>25/05/2014</a:t>
+              <a:t>26/05/2014</a:t>
             </a:fld>
             <a:endParaRPr lang="en-GB"/>
           </a:p>
@@ -2581,7 +2581,7 @@
           <a:p>
             <a:fld id="{A672BAF8-E690-4A5C-BC69-579FDD234EEE}" type="datetimeFigureOut">
               <a:rPr lang="en-GB" smtClean="0"/>
-              <a:t>25/05/2014</a:t>
+              <a:t>26/05/2014</a:t>
             </a:fld>
             <a:endParaRPr lang="en-GB"/>
           </a:p>
@@ -3823,133 +3823,6 @@
                 <a:ea typeface="Open Sans" panose="020B0606030504020204" pitchFamily="34" charset="0"/>
                 <a:cs typeface="Open Sans" panose="020B0606030504020204" pitchFamily="34" charset="0"/>
               </a:rPr>
-              <a:t>Mis</a:t>
-            </a:r>
-            <a:r>
-              <a:rPr lang="en-GB" sz="3600" b="1" dirty="0" smtClean="0">
-                <a:solidFill>
-                  <a:schemeClr val="tx2">
-                    <a:lumMod val="75000"/>
-                  </a:schemeClr>
-                </a:solidFill>
-                <a:latin typeface="Open Sans" panose="020B0606030504020204" pitchFamily="34" charset="0"/>
-                <a:ea typeface="Open Sans" panose="020B0606030504020204" pitchFamily="34" charset="0"/>
-                <a:cs typeface="Open Sans" panose="020B0606030504020204" pitchFamily="34" charset="0"/>
-              </a:rPr>
-              <a:t>?</a:t>
-            </a:r>
-            <a:endParaRPr lang="en-GB" sz="3600" b="1" dirty="0">
-              <a:solidFill>
-                <a:schemeClr val="tx2">
-                  <a:lumMod val="75000"/>
-                </a:schemeClr>
-              </a:solidFill>
-              <a:latin typeface="Open Sans" panose="020B0606030504020204" pitchFamily="34" charset="0"/>
-              <a:ea typeface="Open Sans" panose="020B0606030504020204" pitchFamily="34" charset="0"/>
-              <a:cs typeface="Open Sans" panose="020B0606030504020204" pitchFamily="34" charset="0"/>
-            </a:endParaRPr>
-          </a:p>
-        </p:txBody>
-      </p:sp>
-      <p:pic>
-        <p:nvPicPr>
-          <p:cNvPr id="4" name="Content Placeholder 3"/>
-          <p:cNvPicPr>
-            <a:picLocks noGrp="1" noChangeAspect="1"/>
-          </p:cNvPicPr>
-          <p:nvPr>
-            <p:ph idx="1"/>
-          </p:nvPr>
-        </p:nvPicPr>
-        <p:blipFill>
-          <a:blip r:embed="rId2">
-            <a:extLst>
-              <a:ext uri="{28A0092B-C50C-407E-A947-70E740481C1C}">
-                <a14:useLocalDpi xmlns:a14="http://schemas.microsoft.com/office/drawing/2010/main" val="0"/>
-              </a:ext>
-            </a:extLst>
-          </a:blip>
-          <a:stretch>
-            <a:fillRect/>
-          </a:stretch>
-        </p:blipFill>
-        <p:spPr>
-          <a:xfrm>
-            <a:off x="1249731" y="2420938"/>
-            <a:ext cx="6644537" cy="4154487"/>
-          </a:xfrm>
-        </p:spPr>
-      </p:pic>
-    </p:spTree>
-    <p:extLst>
-      <p:ext uri="{BB962C8B-B14F-4D97-AF65-F5344CB8AC3E}">
-        <p14:creationId xmlns:p14="http://schemas.microsoft.com/office/powerpoint/2010/main" val="1333622019"/>
-      </p:ext>
-    </p:extLst>
-  </p:cSld>
-  <p:clrMapOvr>
-    <a:masterClrMapping/>
-  </p:clrMapOvr>
-  <p:timing>
-    <p:tnLst>
-      <p:par>
-        <p:cTn id="1" dur="indefinite" restart="never" nodeType="tmRoot"/>
-      </p:par>
-    </p:tnLst>
-  </p:timing>
-</p:sld>
-</file>
-
-<file path=ppt/slides/slide5.xml><?xml version="1.0" encoding="utf-8"?>
-<p:sld xmlns:a="http://schemas.openxmlformats.org/drawingml/2006/main" xmlns:r="http://schemas.openxmlformats.org/officeDocument/2006/relationships" xmlns:p="http://schemas.openxmlformats.org/presentationml/2006/main">
-  <p:cSld>
-    <p:spTree>
-      <p:nvGrpSpPr>
-        <p:cNvPr id="1" name=""/>
-        <p:cNvGrpSpPr/>
-        <p:nvPr/>
-      </p:nvGrpSpPr>
-      <p:grpSpPr>
-        <a:xfrm>
-          <a:off x="0" y="0"/>
-          <a:ext cx="0" cy="0"/>
-          <a:chOff x="0" y="0"/>
-          <a:chExt cx="0" cy="0"/>
-        </a:xfrm>
-      </p:grpSpPr>
-      <p:sp>
-        <p:nvSpPr>
-          <p:cNvPr id="2" name="Title 1"/>
-          <p:cNvSpPr>
-            <a:spLocks noGrp="1"/>
-          </p:cNvSpPr>
-          <p:nvPr>
-            <p:ph type="title"/>
-          </p:nvPr>
-        </p:nvSpPr>
-        <p:spPr>
-          <a:xfrm>
-            <a:off x="628650" y="1210614"/>
-            <a:ext cx="7886700" cy="699016"/>
-          </a:xfrm>
-        </p:spPr>
-        <p:txBody>
-          <a:bodyPr>
-            <a:normAutofit/>
-          </a:bodyPr>
-          <a:lstStyle/>
-          <a:p>
-            <a:r>
-              <a:rPr lang="en-GB" sz="3600" b="1" dirty="0" err="1" smtClean="0">
-                <a:solidFill>
-                  <a:schemeClr val="tx2">
-                    <a:lumMod val="75000"/>
-                  </a:schemeClr>
-                </a:solidFill>
-                <a:latin typeface="Open Sans" panose="020B0606030504020204" pitchFamily="34" charset="0"/>
-                <a:ea typeface="Open Sans" panose="020B0606030504020204" pitchFamily="34" charset="0"/>
-                <a:cs typeface="Open Sans" panose="020B0606030504020204" pitchFamily="34" charset="0"/>
-              </a:rPr>
               <a:t>Kuidas</a:t>
             </a:r>
             <a:r>
@@ -4064,6 +3937,133 @@
     <p:extLst>
       <p:ext uri="{BB962C8B-B14F-4D97-AF65-F5344CB8AC3E}">
         <p14:creationId xmlns:p14="http://schemas.microsoft.com/office/powerpoint/2010/main" val="2673912971"/>
+      </p:ext>
+    </p:extLst>
+  </p:cSld>
+  <p:clrMapOvr>
+    <a:masterClrMapping/>
+  </p:clrMapOvr>
+  <p:timing>
+    <p:tnLst>
+      <p:par>
+        <p:cTn id="1" dur="indefinite" restart="never" nodeType="tmRoot"/>
+      </p:par>
+    </p:tnLst>
+  </p:timing>
+</p:sld>
+</file>
+
+<file path=ppt/slides/slide5.xml><?xml version="1.0" encoding="utf-8"?>
+<p:sld xmlns:a="http://schemas.openxmlformats.org/drawingml/2006/main" xmlns:r="http://schemas.openxmlformats.org/officeDocument/2006/relationships" xmlns:p="http://schemas.openxmlformats.org/presentationml/2006/main">
+  <p:cSld>
+    <p:spTree>
+      <p:nvGrpSpPr>
+        <p:cNvPr id="1" name=""/>
+        <p:cNvGrpSpPr/>
+        <p:nvPr/>
+      </p:nvGrpSpPr>
+      <p:grpSpPr>
+        <a:xfrm>
+          <a:off x="0" y="0"/>
+          <a:ext cx="0" cy="0"/>
+          <a:chOff x="0" y="0"/>
+          <a:chExt cx="0" cy="0"/>
+        </a:xfrm>
+      </p:grpSpPr>
+      <p:sp>
+        <p:nvSpPr>
+          <p:cNvPr id="2" name="Title 1"/>
+          <p:cNvSpPr>
+            <a:spLocks noGrp="1"/>
+          </p:cNvSpPr>
+          <p:nvPr>
+            <p:ph type="title"/>
+          </p:nvPr>
+        </p:nvSpPr>
+        <p:spPr>
+          <a:xfrm>
+            <a:off x="628650" y="1210614"/>
+            <a:ext cx="7886700" cy="699016"/>
+          </a:xfrm>
+        </p:spPr>
+        <p:txBody>
+          <a:bodyPr>
+            <a:normAutofit/>
+          </a:bodyPr>
+          <a:lstStyle/>
+          <a:p>
+            <a:r>
+              <a:rPr lang="en-GB" sz="3600" b="1" dirty="0" err="1" smtClean="0">
+                <a:solidFill>
+                  <a:schemeClr val="tx2">
+                    <a:lumMod val="75000"/>
+                  </a:schemeClr>
+                </a:solidFill>
+                <a:latin typeface="Open Sans" panose="020B0606030504020204" pitchFamily="34" charset="0"/>
+                <a:ea typeface="Open Sans" panose="020B0606030504020204" pitchFamily="34" charset="0"/>
+                <a:cs typeface="Open Sans" panose="020B0606030504020204" pitchFamily="34" charset="0"/>
+              </a:rPr>
+              <a:t>Mis</a:t>
+            </a:r>
+            <a:r>
+              <a:rPr lang="en-GB" sz="3600" b="1" dirty="0" smtClean="0">
+                <a:solidFill>
+                  <a:schemeClr val="tx2">
+                    <a:lumMod val="75000"/>
+                  </a:schemeClr>
+                </a:solidFill>
+                <a:latin typeface="Open Sans" panose="020B0606030504020204" pitchFamily="34" charset="0"/>
+                <a:ea typeface="Open Sans" panose="020B0606030504020204" pitchFamily="34" charset="0"/>
+                <a:cs typeface="Open Sans" panose="020B0606030504020204" pitchFamily="34" charset="0"/>
+              </a:rPr>
+              <a:t>?</a:t>
+            </a:r>
+            <a:endParaRPr lang="en-GB" sz="3600" b="1" dirty="0">
+              <a:solidFill>
+                <a:schemeClr val="tx2">
+                  <a:lumMod val="75000"/>
+                </a:schemeClr>
+              </a:solidFill>
+              <a:latin typeface="Open Sans" panose="020B0606030504020204" pitchFamily="34" charset="0"/>
+              <a:ea typeface="Open Sans" panose="020B0606030504020204" pitchFamily="34" charset="0"/>
+              <a:cs typeface="Open Sans" panose="020B0606030504020204" pitchFamily="34" charset="0"/>
+            </a:endParaRPr>
+          </a:p>
+        </p:txBody>
+      </p:sp>
+      <p:pic>
+        <p:nvPicPr>
+          <p:cNvPr id="4" name="Content Placeholder 3"/>
+          <p:cNvPicPr>
+            <a:picLocks noGrp="1" noChangeAspect="1"/>
+          </p:cNvPicPr>
+          <p:nvPr>
+            <p:ph idx="1"/>
+          </p:nvPr>
+        </p:nvPicPr>
+        <p:blipFill>
+          <a:blip r:embed="rId2">
+            <a:extLst>
+              <a:ext uri="{28A0092B-C50C-407E-A947-70E740481C1C}">
+                <a14:useLocalDpi xmlns:a14="http://schemas.microsoft.com/office/drawing/2010/main" val="0"/>
+              </a:ext>
+            </a:extLst>
+          </a:blip>
+          <a:stretch>
+            <a:fillRect/>
+          </a:stretch>
+        </p:blipFill>
+        <p:spPr>
+          <a:xfrm>
+            <a:off x="1249731" y="2420938"/>
+            <a:ext cx="6644537" cy="4154487"/>
+          </a:xfrm>
+        </p:spPr>
+      </p:pic>
+    </p:spTree>
+    <p:extLst>
+      <p:ext uri="{BB962C8B-B14F-4D97-AF65-F5344CB8AC3E}">
+        <p14:creationId xmlns:p14="http://schemas.microsoft.com/office/powerpoint/2010/main" val="1333622019"/>
       </p:ext>
     </p:extLst>
   </p:cSld>
@@ -5096,7 +5096,7 @@
   <a:extraClrSchemeLst/>
   <a:extLst>
     <a:ext uri="{05A4C25C-085E-4340-85A3-A5531E510DB2}">
-      <thm15:themeFamily xmlns="" xmlns:thm15="http://schemas.microsoft.com/office/thememl/2012/main" name="Office Theme" id="{62F939B6-93AF-4DB8-9C6B-D6C7DFDC589F}" vid="{4A3C46E8-61CC-4603-A589-7422A47A8E4A}"/>
+      <thm15:themeFamily xmlns:thm15="http://schemas.microsoft.com/office/thememl/2012/main" xmlns="" name="Office Theme" id="{62F939B6-93AF-4DB8-9C6B-D6C7DFDC589F}" vid="{4A3C46E8-61CC-4603-A589-7422A47A8E4A}"/>
     </a:ext>
   </a:extLst>
 </a:theme>
